--- a/Session2/Munch and Crunch 02 - 20190823.pptx
+++ b/Session2/Munch and Crunch 02 - 20190823.pptx
@@ -11,10 +11,11 @@
     <p:sldMasterId id="2147483705" r:id="rId10"/>
   </p:sldMasterIdLst>
   <p:notesMasterIdLst>
-    <p:notesMasterId r:id="rId12"/>
+    <p:notesMasterId r:id="rId13"/>
   </p:notesMasterIdLst>
   <p:sldIdLst>
     <p:sldId id="256" r:id="rId11"/>
+    <p:sldId id="257" r:id="rId12"/>
   </p:sldIdLst>
   <p:sldSz cx="9144000" cy="5143500" type="screen16x9"/>
   <p:notesSz cx="6797675" cy="9872663"/>
@@ -218,7 +219,7 @@
           <a:p>
             <a:fld id="{0A613B64-0720-473B-841A-AA1B911F1907}" type="datetimeFigureOut">
               <a:rPr lang="en-AU" smtClean="0"/>
-              <a:t>15/08/2019</a:t>
+              <a:t>26/08/2019</a:t>
             </a:fld>
             <a:endParaRPr lang="en-AU"/>
           </a:p>
@@ -32317,7 +32318,29 @@
                   <a:schemeClr val="accent5"/>
                 </a:solidFill>
               </a:rPr>
-              <a:t>Analytics Round table (Ryan Kris)</a:t>
+              <a:t>Analytics Round </a:t>
+            </a:r>
+            <a:r>
+              <a:rPr lang="en-AU" dirty="0" smtClean="0">
+                <a:solidFill>
+                  <a:schemeClr val="accent5"/>
+                </a:solidFill>
+              </a:rPr>
+              <a:t>table - Ryan</a:t>
+            </a:r>
+          </a:p>
+          <a:p>
+            <a:pPr marL="285750" indent="-285750">
+              <a:buFont typeface="Arial" panose="020B0604020202020204" pitchFamily="34" charset="0"/>
+              <a:buChar char="•"/>
+            </a:pPr>
+            <a:r>
+              <a:rPr lang="en-AU" dirty="0" smtClean="0">
+                <a:solidFill>
+                  <a:schemeClr val="accent5"/>
+                </a:solidFill>
+              </a:rPr>
+              <a:t>Intro to Data Analytics - Anuj</a:t>
             </a:r>
             <a:endParaRPr lang="en-AU" dirty="0">
               <a:solidFill>
@@ -32331,35 +32354,26 @@
               <a:buChar char="•"/>
             </a:pPr>
             <a:r>
-              <a:rPr lang="en-AU" dirty="0" err="1" smtClean="0">
-                <a:solidFill>
-                  <a:schemeClr val="accent5"/>
-                </a:solidFill>
-              </a:rPr>
-              <a:t>PowerBI</a:t>
-            </a:r>
-            <a:r>
               <a:rPr lang="en-AU" dirty="0" smtClean="0">
                 <a:solidFill>
                   <a:schemeClr val="accent5"/>
                 </a:solidFill>
               </a:rPr>
-              <a:t> Lab (Anuj Chopra)</a:t>
-            </a:r>
-          </a:p>
-          <a:p>
-            <a:pPr marL="285750" indent="-285750">
-              <a:buFont typeface="Arial" panose="020B0604020202020204" pitchFamily="34" charset="0"/>
-              <a:buChar char="•"/>
-            </a:pPr>
+              <a:t>PowerBI Lab </a:t>
+            </a:r>
             <a:r>
               <a:rPr lang="en-AU" dirty="0" smtClean="0">
                 <a:solidFill>
                   <a:schemeClr val="accent5"/>
                 </a:solidFill>
               </a:rPr>
-              <a:t> </a:t>
-            </a:r>
+              <a:t>-Anuj</a:t>
+            </a:r>
+            <a:endParaRPr lang="en-AU" dirty="0" smtClean="0">
+              <a:solidFill>
+                <a:schemeClr val="accent5"/>
+              </a:solidFill>
+            </a:endParaRPr>
           </a:p>
           <a:p>
             <a:pPr marL="285750" indent="-285750">
@@ -32381,6 +32395,156 @@
     <p:extLst>
       <p:ext uri="{BB962C8B-B14F-4D97-AF65-F5344CB8AC3E}">
         <p14:creationId xmlns:p14="http://schemas.microsoft.com/office/powerpoint/2010/main" val="1855278733"/>
+      </p:ext>
+    </p:extLst>
+  </p:cSld>
+  <p:clrMapOvr>
+    <a:masterClrMapping/>
+  </p:clrMapOvr>
+  <mc:AlternateContent xmlns:mc="http://schemas.openxmlformats.org/markup-compatibility/2006" xmlns:p14="http://schemas.microsoft.com/office/powerpoint/2010/main">
+    <mc:Choice Requires="p14">
+      <p:transition spd="med" p14:dur="700">
+        <p:fade/>
+      </p:transition>
+    </mc:Choice>
+    <mc:Fallback xmlns="">
+      <p:transition spd="med">
+        <p:fade/>
+      </p:transition>
+    </mc:Fallback>
+  </mc:AlternateContent>
+</p:sld>
+</file>
+
+<file path=ppt/slides/slide2.xml><?xml version="1.0" encoding="utf-8"?>
+<p:sld xmlns:a="http://schemas.openxmlformats.org/drawingml/2006/main" xmlns:r="http://schemas.openxmlformats.org/officeDocument/2006/relationships" xmlns:p="http://schemas.openxmlformats.org/presentationml/2006/main">
+  <p:cSld>
+    <p:spTree>
+      <p:nvGrpSpPr>
+        <p:cNvPr id="1" name=""/>
+        <p:cNvGrpSpPr/>
+        <p:nvPr/>
+      </p:nvGrpSpPr>
+      <p:grpSpPr>
+        <a:xfrm>
+          <a:off x="0" y="0"/>
+          <a:ext cx="0" cy="0"/>
+          <a:chOff x="0" y="0"/>
+          <a:chExt cx="0" cy="0"/>
+        </a:xfrm>
+      </p:grpSpPr>
+      <p:sp>
+        <p:nvSpPr>
+          <p:cNvPr id="2" name="Title 1"/>
+          <p:cNvSpPr>
+            <a:spLocks noGrp="1"/>
+          </p:cNvSpPr>
+          <p:nvPr>
+            <p:ph type="title"/>
+          </p:nvPr>
+        </p:nvSpPr>
+        <p:spPr/>
+        <p:txBody>
+          <a:bodyPr/>
+          <a:lstStyle/>
+          <a:p>
+            <a:r>
+              <a:rPr lang="en-AU" dirty="0" smtClean="0"/>
+              <a:t>Data Analytics</a:t>
+            </a:r>
+            <a:endParaRPr lang="en-AU" dirty="0"/>
+          </a:p>
+        </p:txBody>
+      </p:sp>
+      <p:sp>
+        <p:nvSpPr>
+          <p:cNvPr id="3" name="Content Placeholder 2"/>
+          <p:cNvSpPr>
+            <a:spLocks noGrp="1"/>
+          </p:cNvSpPr>
+          <p:nvPr>
+            <p:ph sz="quarter" idx="11"/>
+          </p:nvPr>
+        </p:nvSpPr>
+        <p:spPr/>
+        <p:txBody>
+          <a:bodyPr/>
+          <a:lstStyle/>
+          <a:p>
+            <a:endParaRPr lang="en-AU" dirty="0"/>
+          </a:p>
+        </p:txBody>
+      </p:sp>
+      <p:sp>
+        <p:nvSpPr>
+          <p:cNvPr id="4" name="Content Placeholder 3"/>
+          <p:cNvSpPr>
+            <a:spLocks noGrp="1"/>
+          </p:cNvSpPr>
+          <p:nvPr>
+            <p:ph sz="quarter" idx="12"/>
+          </p:nvPr>
+        </p:nvSpPr>
+        <p:spPr/>
+        <p:txBody>
+          <a:bodyPr/>
+          <a:lstStyle/>
+          <a:p>
+            <a:endParaRPr lang="en-AU"/>
+          </a:p>
+        </p:txBody>
+      </p:sp>
+      <p:sp>
+        <p:nvSpPr>
+          <p:cNvPr id="5" name="Footer Placeholder 4"/>
+          <p:cNvSpPr>
+            <a:spLocks noGrp="1"/>
+          </p:cNvSpPr>
+          <p:nvPr>
+            <p:ph type="ftr" sz="quarter" idx="14"/>
+          </p:nvPr>
+        </p:nvSpPr>
+        <p:spPr/>
+        <p:txBody>
+          <a:bodyPr/>
+          <a:lstStyle/>
+          <a:p>
+            <a:r>
+              <a:rPr lang="en-AU" smtClean="0"/>
+              <a:t>To change the footer, follow the instructions on slide 9.</a:t>
+            </a:r>
+            <a:endParaRPr lang="en-AU"/>
+          </a:p>
+        </p:txBody>
+      </p:sp>
+      <p:sp>
+        <p:nvSpPr>
+          <p:cNvPr id="6" name="Slide Number Placeholder 5"/>
+          <p:cNvSpPr>
+            <a:spLocks noGrp="1"/>
+          </p:cNvSpPr>
+          <p:nvPr>
+            <p:ph type="sldNum" sz="quarter" idx="15"/>
+          </p:nvPr>
+        </p:nvSpPr>
+        <p:spPr/>
+        <p:txBody>
+          <a:bodyPr/>
+          <a:lstStyle/>
+          <a:p>
+            <a:fld id="{07B8B748-81E3-485E-B4BA-BFF310596BA7}" type="slidenum">
+              <a:rPr lang="en-AU" smtClean="0"/>
+              <a:pPr/>
+              <a:t>2</a:t>
+            </a:fld>
+            <a:endParaRPr lang="en-AU"/>
+          </a:p>
+        </p:txBody>
+      </p:sp>
+    </p:spTree>
+    <p:extLst>
+      <p:ext uri="{BB962C8B-B14F-4D97-AF65-F5344CB8AC3E}">
+        <p14:creationId xmlns:p14="http://schemas.microsoft.com/office/powerpoint/2010/main" val="1844827441"/>
       </p:ext>
     </p:extLst>
   </p:cSld>
@@ -34308,12 +34472,9 @@
 </file>
 
 <file path=customXml/item1.xml><?xml version="1.0" encoding="utf-8"?>
-<?mso-contentType ?>
-<FormTemplates xmlns="http://schemas.microsoft.com/sharepoint/v3/contenttype/forms">
-  <Display>DocumentLibraryForm</Display>
-  <Edit>DocumentLibraryForm</Edit>
-  <New>DocumentLibraryForm</New>
-</FormTemplates>
+<p:properties xmlns:p="http://schemas.microsoft.com/office/2006/metadata/properties" xmlns:xsi="http://www.w3.org/2001/XMLSchema-instance" xmlns:pc="http://schemas.microsoft.com/office/infopath/2007/PartnerControls">
+  <documentManagement/>
+</p:properties>
 </file>
 
 <file path=customXml/item2.xml><?xml version="1.0" encoding="utf-8"?>
@@ -34514,15 +34675,27 @@
 </file>
 
 <file path=customXml/item3.xml><?xml version="1.0" encoding="utf-8"?>
-<p:properties xmlns:p="http://schemas.microsoft.com/office/2006/metadata/properties" xmlns:xsi="http://www.w3.org/2001/XMLSchema-instance" xmlns:pc="http://schemas.microsoft.com/office/infopath/2007/PartnerControls">
-  <documentManagement/>
-</p:properties>
+<?mso-contentType ?>
+<FormTemplates xmlns="http://schemas.microsoft.com/sharepoint/v3/contenttype/forms">
+  <Display>DocumentLibraryForm</Display>
+  <Edit>DocumentLibraryForm</Edit>
+  <New>DocumentLibraryForm</New>
+</FormTemplates>
 </file>
 
 <file path=customXml/itemProps1.xml><?xml version="1.0" encoding="utf-8"?>
-<ds:datastoreItem xmlns:ds="http://schemas.openxmlformats.org/officeDocument/2006/customXml" ds:itemID="{CC9B457C-D1B5-4ADE-AE09-0B08434D51AC}">
+<ds:datastoreItem xmlns:ds="http://schemas.openxmlformats.org/officeDocument/2006/customXml" ds:itemID="{834E346C-3C82-4347-A96E-0178FEB09138}">
   <ds:schemaRefs>
-    <ds:schemaRef ds:uri="http://schemas.microsoft.com/sharepoint/v3/contenttype/forms"/>
+    <ds:schemaRef ds:uri="http://schemas.microsoft.com/office/2006/metadata/properties"/>
+    <ds:schemaRef ds:uri="http://www.w3.org/XML/1998/namespace"/>
+    <ds:schemaRef ds:uri="da2ea9af-b40e-4f04-923e-ef41ae0c282c"/>
+    <ds:schemaRef ds:uri="http://schemas.microsoft.com/office/infopath/2007/PartnerControls"/>
+    <ds:schemaRef ds:uri="30521d38-7ca3-48c8-9e71-47c233f94a3f"/>
+    <ds:schemaRef ds:uri="http://schemas.openxmlformats.org/package/2006/metadata/core-properties"/>
+    <ds:schemaRef ds:uri="http://schemas.microsoft.com/office/2006/documentManagement/types"/>
+    <ds:schemaRef ds:uri="http://purl.org/dc/dcmitype/"/>
+    <ds:schemaRef ds:uri="http://purl.org/dc/terms/"/>
+    <ds:schemaRef ds:uri="http://purl.org/dc/elements/1.1/"/>
   </ds:schemaRefs>
 </ds:datastoreItem>
 </file>
@@ -34547,18 +34720,9 @@
 </file>
 
 <file path=customXml/itemProps3.xml><?xml version="1.0" encoding="utf-8"?>
-<ds:datastoreItem xmlns:ds="http://schemas.openxmlformats.org/officeDocument/2006/customXml" ds:itemID="{834E346C-3C82-4347-A96E-0178FEB09138}">
+<ds:datastoreItem xmlns:ds="http://schemas.openxmlformats.org/officeDocument/2006/customXml" ds:itemID="{CC9B457C-D1B5-4ADE-AE09-0B08434D51AC}">
   <ds:schemaRefs>
-    <ds:schemaRef ds:uri="http://purl.org/dc/terms/"/>
-    <ds:schemaRef ds:uri="http://schemas.openxmlformats.org/package/2006/metadata/core-properties"/>
-    <ds:schemaRef ds:uri="http://purl.org/dc/dcmitype/"/>
-    <ds:schemaRef ds:uri="30521d38-7ca3-48c8-9e71-47c233f94a3f"/>
-    <ds:schemaRef ds:uri="http://purl.org/dc/elements/1.1/"/>
-    <ds:schemaRef ds:uri="http://schemas.microsoft.com/office/2006/metadata/properties"/>
-    <ds:schemaRef ds:uri="http://schemas.microsoft.com/office/2006/documentManagement/types"/>
-    <ds:schemaRef ds:uri="http://schemas.microsoft.com/office/infopath/2007/PartnerControls"/>
-    <ds:schemaRef ds:uri="da2ea9af-b40e-4f04-923e-ef41ae0c282c"/>
-    <ds:schemaRef ds:uri="http://www.w3.org/XML/1998/namespace"/>
+    <ds:schemaRef ds:uri="http://schemas.microsoft.com/sharepoint/v3/contenttype/forms"/>
   </ds:schemaRefs>
 </ds:datastoreItem>
 </file>